--- a/design/grafic-charter/identité du site.pptx
+++ b/design/grafic-charter/identité du site.pptx
@@ -243,7 +243,7 @@
           <a:p>
             <a:fld id="{97C065F8-E180-49B3-A5A6-1FB32EE100AA}" type="datetimeFigureOut">
               <a:rPr lang="fr-FR" smtClean="0"/>
-              <a:t>11/02/2021</a:t>
+              <a:t>15/02/2021</a:t>
             </a:fld>
             <a:endParaRPr lang="fr-FR"/>
           </a:p>
@@ -413,7 +413,7 @@
           <a:p>
             <a:fld id="{97C065F8-E180-49B3-A5A6-1FB32EE100AA}" type="datetimeFigureOut">
               <a:rPr lang="fr-FR" smtClean="0"/>
-              <a:t>11/02/2021</a:t>
+              <a:t>15/02/2021</a:t>
             </a:fld>
             <a:endParaRPr lang="fr-FR"/>
           </a:p>
@@ -593,7 +593,7 @@
           <a:p>
             <a:fld id="{97C065F8-E180-49B3-A5A6-1FB32EE100AA}" type="datetimeFigureOut">
               <a:rPr lang="fr-FR" smtClean="0"/>
-              <a:t>11/02/2021</a:t>
+              <a:t>15/02/2021</a:t>
             </a:fld>
             <a:endParaRPr lang="fr-FR"/>
           </a:p>
@@ -763,7 +763,7 @@
           <a:p>
             <a:fld id="{97C065F8-E180-49B3-A5A6-1FB32EE100AA}" type="datetimeFigureOut">
               <a:rPr lang="fr-FR" smtClean="0"/>
-              <a:t>11/02/2021</a:t>
+              <a:t>15/02/2021</a:t>
             </a:fld>
             <a:endParaRPr lang="fr-FR"/>
           </a:p>
@@ -1007,7 +1007,7 @@
           <a:p>
             <a:fld id="{97C065F8-E180-49B3-A5A6-1FB32EE100AA}" type="datetimeFigureOut">
               <a:rPr lang="fr-FR" smtClean="0"/>
-              <a:t>11/02/2021</a:t>
+              <a:t>15/02/2021</a:t>
             </a:fld>
             <a:endParaRPr lang="fr-FR"/>
           </a:p>
@@ -1239,7 +1239,7 @@
           <a:p>
             <a:fld id="{97C065F8-E180-49B3-A5A6-1FB32EE100AA}" type="datetimeFigureOut">
               <a:rPr lang="fr-FR" smtClean="0"/>
-              <a:t>11/02/2021</a:t>
+              <a:t>15/02/2021</a:t>
             </a:fld>
             <a:endParaRPr lang="fr-FR"/>
           </a:p>
@@ -1606,7 +1606,7 @@
           <a:p>
             <a:fld id="{97C065F8-E180-49B3-A5A6-1FB32EE100AA}" type="datetimeFigureOut">
               <a:rPr lang="fr-FR" smtClean="0"/>
-              <a:t>11/02/2021</a:t>
+              <a:t>15/02/2021</a:t>
             </a:fld>
             <a:endParaRPr lang="fr-FR"/>
           </a:p>
@@ -1724,7 +1724,7 @@
           <a:p>
             <a:fld id="{97C065F8-E180-49B3-A5A6-1FB32EE100AA}" type="datetimeFigureOut">
               <a:rPr lang="fr-FR" smtClean="0"/>
-              <a:t>11/02/2021</a:t>
+              <a:t>15/02/2021</a:t>
             </a:fld>
             <a:endParaRPr lang="fr-FR"/>
           </a:p>
@@ -1819,7 +1819,7 @@
           <a:p>
             <a:fld id="{97C065F8-E180-49B3-A5A6-1FB32EE100AA}" type="datetimeFigureOut">
               <a:rPr lang="fr-FR" smtClean="0"/>
-              <a:t>11/02/2021</a:t>
+              <a:t>15/02/2021</a:t>
             </a:fld>
             <a:endParaRPr lang="fr-FR"/>
           </a:p>
@@ -2096,7 +2096,7 @@
           <a:p>
             <a:fld id="{97C065F8-E180-49B3-A5A6-1FB32EE100AA}" type="datetimeFigureOut">
               <a:rPr lang="fr-FR" smtClean="0"/>
-              <a:t>11/02/2021</a:t>
+              <a:t>15/02/2021</a:t>
             </a:fld>
             <a:endParaRPr lang="fr-FR"/>
           </a:p>
@@ -2353,7 +2353,7 @@
           <a:p>
             <a:fld id="{97C065F8-E180-49B3-A5A6-1FB32EE100AA}" type="datetimeFigureOut">
               <a:rPr lang="fr-FR" smtClean="0"/>
-              <a:t>11/02/2021</a:t>
+              <a:t>15/02/2021</a:t>
             </a:fld>
             <a:endParaRPr lang="fr-FR"/>
           </a:p>
@@ -2566,7 +2566,7 @@
           <a:p>
             <a:fld id="{97C065F8-E180-49B3-A5A6-1FB32EE100AA}" type="datetimeFigureOut">
               <a:rPr lang="fr-FR" smtClean="0"/>
-              <a:t>11/02/2021</a:t>
+              <a:t>15/02/2021</a:t>
             </a:fld>
             <a:endParaRPr lang="fr-FR"/>
           </a:p>
@@ -3002,17 +3002,17 @@
             <a:pPr algn="ctr"/>
             <a:r>
               <a:rPr lang="fr-FR" sz="4400" b="1" i="1" u="sng" dirty="0"/>
-              <a:t>Titre du site</a:t>
-            </a:r>
-          </a:p>
-        </p:txBody>
-      </p:sp>
-      <p:sp>
-        <p:nvSpPr>
-          <p:cNvPr id="5" name="ZoneTexte 4">
+              <a:t>Identité du site</a:t>
+            </a:r>
+          </a:p>
+        </p:txBody>
+      </p:sp>
+      <p:sp>
+        <p:nvSpPr>
+          <p:cNvPr id="30" name="ZoneTexte 29">
             <a:extLst>
               <a:ext uri="{FF2B5EF4-FFF2-40B4-BE49-F238E27FC236}">
-                <a16:creationId xmlns:a16="http://schemas.microsoft.com/office/drawing/2014/main" id="{1521A4B2-26A0-4A71-B984-0AE9AB0454B9}"/>
+                <a16:creationId xmlns:a16="http://schemas.microsoft.com/office/drawing/2014/main" id="{401A5365-496A-4778-A30C-9D01DE15E117}"/>
               </a:ext>
             </a:extLst>
           </p:cNvPr>
@@ -3021,100 +3021,7 @@
         </p:nvSpPr>
         <p:spPr>
           <a:xfrm>
-            <a:off x="885826" y="1459716"/>
-            <a:ext cx="5086350" cy="3970318"/>
-          </a:xfrm>
-          <a:prstGeom prst="rect">
-            <a:avLst/>
-          </a:prstGeom>
-          <a:noFill/>
-        </p:spPr>
-        <p:txBody>
-          <a:bodyPr wrap="square" rtlCol="0">
-            <a:spAutoFit/>
-          </a:bodyPr>
-          <a:lstStyle/>
-          <a:p>
-            <a:r>
-              <a:rPr lang="fr-FR" dirty="0"/>
-              <a:t>Web Accessibility</a:t>
-            </a:r>
-          </a:p>
-          <a:p>
-            <a:endParaRPr lang="fr-FR" dirty="0"/>
-          </a:p>
-          <a:p>
-            <a:r>
-              <a:rPr lang="fr-FR" dirty="0"/>
-              <a:t>Access Code web</a:t>
-            </a:r>
-          </a:p>
-          <a:p>
-            <a:endParaRPr lang="fr-FR" dirty="0"/>
-          </a:p>
-          <a:p>
-            <a:r>
-              <a:rPr lang="fr-FR" dirty="0" err="1"/>
-              <a:t>Num</a:t>
-            </a:r>
-            <a:r>
-              <a:rPr lang="fr-FR" dirty="0"/>
-              <a:t> Access</a:t>
-            </a:r>
-          </a:p>
-          <a:p>
-            <a:endParaRPr lang="fr-FR" dirty="0"/>
-          </a:p>
-          <a:p>
-            <a:r>
-              <a:rPr lang="fr-FR" dirty="0"/>
-              <a:t>Web Access</a:t>
-            </a:r>
-          </a:p>
-          <a:p>
-            <a:endParaRPr lang="fr-FR" dirty="0"/>
-          </a:p>
-          <a:p>
-            <a:r>
-              <a:rPr lang="fr-FR" dirty="0"/>
-              <a:t>Handi Access</a:t>
-            </a:r>
-          </a:p>
-          <a:p>
-            <a:endParaRPr lang="fr-FR" dirty="0"/>
-          </a:p>
-          <a:p>
-            <a:r>
-              <a:rPr lang="fr-FR" dirty="0"/>
-              <a:t>World Web Access</a:t>
-            </a:r>
-          </a:p>
-          <a:p>
-            <a:endParaRPr lang="fr-FR" dirty="0"/>
-          </a:p>
-          <a:p>
-            <a:endParaRPr lang="fr-FR" dirty="0"/>
-          </a:p>
-          <a:p>
-            <a:endParaRPr lang="fr-FR" dirty="0"/>
-          </a:p>
-        </p:txBody>
-      </p:sp>
-      <p:sp>
-        <p:nvSpPr>
-          <p:cNvPr id="6" name="ZoneTexte 5">
-            <a:extLst>
-              <a:ext uri="{FF2B5EF4-FFF2-40B4-BE49-F238E27FC236}">
-                <a16:creationId xmlns:a16="http://schemas.microsoft.com/office/drawing/2014/main" id="{B5F46C71-0DF9-42D3-98DD-9246BB6A4AC4}"/>
-              </a:ext>
-            </a:extLst>
-          </p:cNvPr>
-          <p:cNvSpPr txBox="1"/>
-          <p:nvPr/>
-        </p:nvSpPr>
-        <p:spPr>
-          <a:xfrm>
-            <a:off x="885825" y="5089593"/>
+            <a:off x="885825" y="6733240"/>
             <a:ext cx="5086350" cy="769441"/>
           </a:xfrm>
           <a:prstGeom prst="rect">
@@ -3131,69 +3038,83 @@
             <a:pPr algn="ctr"/>
             <a:r>
               <a:rPr lang="fr-FR" sz="4400" b="1" i="1" u="sng" dirty="0"/>
-              <a:t>LOGO</a:t>
-            </a:r>
-          </a:p>
-        </p:txBody>
-      </p:sp>
-      <p:sp>
-        <p:nvSpPr>
-          <p:cNvPr id="7" name="ZoneTexte 6">
+              <a:t>Logo</a:t>
+            </a:r>
+          </a:p>
+        </p:txBody>
+      </p:sp>
+      <p:pic>
+        <p:nvPicPr>
+          <p:cNvPr id="32" name="Image 31">
             <a:extLst>
               <a:ext uri="{FF2B5EF4-FFF2-40B4-BE49-F238E27FC236}">
-                <a16:creationId xmlns:a16="http://schemas.microsoft.com/office/drawing/2014/main" id="{ABE61030-6BEE-4E6D-A113-C4E7643EF5E4}"/>
+                <a16:creationId xmlns:a16="http://schemas.microsoft.com/office/drawing/2014/main" id="{43713511-4909-41EF-9319-C97B6D7CE14F}"/>
               </a:ext>
             </a:extLst>
           </p:cNvPr>
-          <p:cNvSpPr txBox="1"/>
+          <p:cNvPicPr>
+            <a:picLocks noChangeAspect="1"/>
+          </p:cNvPicPr>
           <p:nvPr/>
-        </p:nvSpPr>
+        </p:nvPicPr>
+        <p:blipFill>
+          <a:blip r:embed="rId2">
+            <a:extLst>
+              <a:ext uri="{28A0092B-C50C-407E-A947-70E740481C1C}">
+                <a14:useLocalDpi xmlns:a14="http://schemas.microsoft.com/office/drawing/2010/main" val="0"/>
+              </a:ext>
+            </a:extLst>
+          </a:blip>
+          <a:stretch>
+            <a:fillRect/>
+          </a:stretch>
+        </p:blipFill>
         <p:spPr>
           <a:xfrm>
-            <a:off x="399138" y="6031441"/>
-            <a:ext cx="6059724" cy="1477328"/>
+            <a:off x="885825" y="8942926"/>
+            <a:ext cx="1905000" cy="1905000"/>
           </a:xfrm>
           <a:prstGeom prst="rect">
             <a:avLst/>
           </a:prstGeom>
-          <a:noFill/>
         </p:spPr>
-        <p:txBody>
-          <a:bodyPr wrap="square" rtlCol="0">
-            <a:spAutoFit/>
-          </a:bodyPr>
-          <a:lstStyle/>
-          <a:p>
-            <a:r>
-              <a:rPr lang="fr-FR" dirty="0"/>
-              <a:t>Test : </a:t>
-            </a:r>
-          </a:p>
-          <a:p>
-            <a:endParaRPr lang="fr-FR" dirty="0"/>
-          </a:p>
-          <a:p>
-            <a:r>
-              <a:rPr lang="fr-FR" dirty="0"/>
-              <a:t>- Utiliser le nom de site pour faire un logo type :</a:t>
-            </a:r>
-            <a:r>
-              <a:rPr lang="fr-FR" dirty="0" err="1"/>
-              <a:t>nintendo</a:t>
-            </a:r>
-            <a:r>
-              <a:rPr lang="fr-FR" dirty="0"/>
-              <a:t>.</a:t>
-            </a:r>
-          </a:p>
-          <a:p>
-            <a:r>
-              <a:rPr lang="fr-FR" dirty="0"/>
-              <a:t> juste un logo : Utiliser la base d’un  fauteuil roulant et échange le personnage par un @</a:t>
-            </a:r>
-          </a:p>
-        </p:txBody>
-      </p:sp>
+      </p:pic>
+      <p:pic>
+        <p:nvPicPr>
+          <p:cNvPr id="34" name="Image 33">
+            <a:extLst>
+              <a:ext uri="{FF2B5EF4-FFF2-40B4-BE49-F238E27FC236}">
+                <a16:creationId xmlns:a16="http://schemas.microsoft.com/office/drawing/2014/main" id="{AFF82054-5E80-4698-BE65-D51A965EA2EC}"/>
+              </a:ext>
+            </a:extLst>
+          </p:cNvPr>
+          <p:cNvPicPr>
+            <a:picLocks noChangeAspect="1"/>
+          </p:cNvPicPr>
+          <p:nvPr/>
+        </p:nvPicPr>
+        <p:blipFill>
+          <a:blip r:embed="rId3">
+            <a:extLst>
+              <a:ext uri="{28A0092B-C50C-407E-A947-70E740481C1C}">
+                <a14:useLocalDpi xmlns:a14="http://schemas.microsoft.com/office/drawing/2010/main" val="0"/>
+              </a:ext>
+            </a:extLst>
+          </a:blip>
+          <a:stretch>
+            <a:fillRect/>
+          </a:stretch>
+        </p:blipFill>
+        <p:spPr>
+          <a:xfrm>
+            <a:off x="4231500" y="8942926"/>
+            <a:ext cx="1905000" cy="1905000"/>
+          </a:xfrm>
+          <a:prstGeom prst="rect">
+            <a:avLst/>
+          </a:prstGeom>
+        </p:spPr>
+      </p:pic>
     </p:spTree>
     <p:extLst>
       <p:ext uri="{BB962C8B-B14F-4D97-AF65-F5344CB8AC3E}">

--- a/design/grafic-charter/identité du site.pptx
+++ b/design/grafic-charter/identité du site.pptx
@@ -243,7 +243,7 @@
           <a:p>
             <a:fld id="{97C065F8-E180-49B3-A5A6-1FB32EE100AA}" type="datetimeFigureOut">
               <a:rPr lang="fr-FR" smtClean="0"/>
-              <a:t>15/02/2021</a:t>
+              <a:t>17/02/2021</a:t>
             </a:fld>
             <a:endParaRPr lang="fr-FR"/>
           </a:p>
@@ -413,7 +413,7 @@
           <a:p>
             <a:fld id="{97C065F8-E180-49B3-A5A6-1FB32EE100AA}" type="datetimeFigureOut">
               <a:rPr lang="fr-FR" smtClean="0"/>
-              <a:t>15/02/2021</a:t>
+              <a:t>17/02/2021</a:t>
             </a:fld>
             <a:endParaRPr lang="fr-FR"/>
           </a:p>
@@ -593,7 +593,7 @@
           <a:p>
             <a:fld id="{97C065F8-E180-49B3-A5A6-1FB32EE100AA}" type="datetimeFigureOut">
               <a:rPr lang="fr-FR" smtClean="0"/>
-              <a:t>15/02/2021</a:t>
+              <a:t>17/02/2021</a:t>
             </a:fld>
             <a:endParaRPr lang="fr-FR"/>
           </a:p>
@@ -763,7 +763,7 @@
           <a:p>
             <a:fld id="{97C065F8-E180-49B3-A5A6-1FB32EE100AA}" type="datetimeFigureOut">
               <a:rPr lang="fr-FR" smtClean="0"/>
-              <a:t>15/02/2021</a:t>
+              <a:t>17/02/2021</a:t>
             </a:fld>
             <a:endParaRPr lang="fr-FR"/>
           </a:p>
@@ -1007,7 +1007,7 @@
           <a:p>
             <a:fld id="{97C065F8-E180-49B3-A5A6-1FB32EE100AA}" type="datetimeFigureOut">
               <a:rPr lang="fr-FR" smtClean="0"/>
-              <a:t>15/02/2021</a:t>
+              <a:t>17/02/2021</a:t>
             </a:fld>
             <a:endParaRPr lang="fr-FR"/>
           </a:p>
@@ -1239,7 +1239,7 @@
           <a:p>
             <a:fld id="{97C065F8-E180-49B3-A5A6-1FB32EE100AA}" type="datetimeFigureOut">
               <a:rPr lang="fr-FR" smtClean="0"/>
-              <a:t>15/02/2021</a:t>
+              <a:t>17/02/2021</a:t>
             </a:fld>
             <a:endParaRPr lang="fr-FR"/>
           </a:p>
@@ -1606,7 +1606,7 @@
           <a:p>
             <a:fld id="{97C065F8-E180-49B3-A5A6-1FB32EE100AA}" type="datetimeFigureOut">
               <a:rPr lang="fr-FR" smtClean="0"/>
-              <a:t>15/02/2021</a:t>
+              <a:t>17/02/2021</a:t>
             </a:fld>
             <a:endParaRPr lang="fr-FR"/>
           </a:p>
@@ -1724,7 +1724,7 @@
           <a:p>
             <a:fld id="{97C065F8-E180-49B3-A5A6-1FB32EE100AA}" type="datetimeFigureOut">
               <a:rPr lang="fr-FR" smtClean="0"/>
-              <a:t>15/02/2021</a:t>
+              <a:t>17/02/2021</a:t>
             </a:fld>
             <a:endParaRPr lang="fr-FR"/>
           </a:p>
@@ -1819,7 +1819,7 @@
           <a:p>
             <a:fld id="{97C065F8-E180-49B3-A5A6-1FB32EE100AA}" type="datetimeFigureOut">
               <a:rPr lang="fr-FR" smtClean="0"/>
-              <a:t>15/02/2021</a:t>
+              <a:t>17/02/2021</a:t>
             </a:fld>
             <a:endParaRPr lang="fr-FR"/>
           </a:p>
@@ -2096,7 +2096,7 @@
           <a:p>
             <a:fld id="{97C065F8-E180-49B3-A5A6-1FB32EE100AA}" type="datetimeFigureOut">
               <a:rPr lang="fr-FR" smtClean="0"/>
-              <a:t>15/02/2021</a:t>
+              <a:t>17/02/2021</a:t>
             </a:fld>
             <a:endParaRPr lang="fr-FR"/>
           </a:p>
@@ -2353,7 +2353,7 @@
           <a:p>
             <a:fld id="{97C065F8-E180-49B3-A5A6-1FB32EE100AA}" type="datetimeFigureOut">
               <a:rPr lang="fr-FR" smtClean="0"/>
-              <a:t>15/02/2021</a:t>
+              <a:t>17/02/2021</a:t>
             </a:fld>
             <a:endParaRPr lang="fr-FR"/>
           </a:p>
@@ -2566,7 +2566,7 @@
           <a:p>
             <a:fld id="{97C065F8-E180-49B3-A5A6-1FB32EE100AA}" type="datetimeFigureOut">
               <a:rPr lang="fr-FR" smtClean="0"/>
-              <a:t>15/02/2021</a:t>
+              <a:t>17/02/2021</a:t>
             </a:fld>
             <a:endParaRPr lang="fr-FR"/>
           </a:p>
@@ -3115,6 +3115,92 @@
           </a:prstGeom>
         </p:spPr>
       </p:pic>
+      <p:sp>
+        <p:nvSpPr>
+          <p:cNvPr id="2" name="ZoneTexte 1">
+            <a:extLst>
+              <a:ext uri="{FF2B5EF4-FFF2-40B4-BE49-F238E27FC236}">
+                <a16:creationId xmlns:a16="http://schemas.microsoft.com/office/drawing/2014/main" id="{790AF6DD-0D3C-4263-B5B3-8A1F77C764CA}"/>
+              </a:ext>
+            </a:extLst>
+          </p:cNvPr>
+          <p:cNvSpPr txBox="1"/>
+          <p:nvPr/>
+        </p:nvSpPr>
+        <p:spPr>
+          <a:xfrm>
+            <a:off x="1680519" y="2075935"/>
+            <a:ext cx="3558746" cy="3970318"/>
+          </a:xfrm>
+          <a:prstGeom prst="rect">
+            <a:avLst/>
+          </a:prstGeom>
+          <a:noFill/>
+        </p:spPr>
+        <p:txBody>
+          <a:bodyPr wrap="square" rtlCol="0">
+            <a:spAutoFit/>
+          </a:bodyPr>
+          <a:lstStyle/>
+          <a:p>
+            <a:r>
+              <a:rPr lang="fr-FR" dirty="0"/>
+              <a:t>Accessibilité</a:t>
+            </a:r>
+          </a:p>
+          <a:p>
+            <a:r>
+              <a:rPr lang="fr-FR" dirty="0"/>
+              <a:t>A11y</a:t>
+            </a:r>
+          </a:p>
+          <a:p>
+            <a:r>
+              <a:rPr lang="fr-FR" dirty="0"/>
+              <a:t>Web</a:t>
+            </a:r>
+          </a:p>
+          <a:p>
+            <a:r>
+              <a:rPr lang="fr-FR" dirty="0"/>
+              <a:t>Numérique</a:t>
+            </a:r>
+          </a:p>
+          <a:p>
+            <a:r>
+              <a:rPr lang="fr-FR" dirty="0"/>
+              <a:t>Handicap</a:t>
+            </a:r>
+          </a:p>
+          <a:p>
+            <a:endParaRPr lang="fr-FR" dirty="0"/>
+          </a:p>
+          <a:p>
+            <a:endParaRPr lang="fr-FR" dirty="0"/>
+          </a:p>
+          <a:p>
+            <a:endParaRPr lang="fr-FR" dirty="0"/>
+          </a:p>
+          <a:p>
+            <a:endParaRPr lang="fr-FR" dirty="0"/>
+          </a:p>
+          <a:p>
+            <a:endParaRPr lang="fr-FR" dirty="0"/>
+          </a:p>
+          <a:p>
+            <a:endParaRPr lang="fr-FR" dirty="0"/>
+          </a:p>
+          <a:p>
+            <a:endParaRPr lang="fr-FR" dirty="0"/>
+          </a:p>
+          <a:p>
+            <a:endParaRPr lang="fr-FR" dirty="0"/>
+          </a:p>
+          <a:p>
+            <a:endParaRPr lang="fr-FR" dirty="0"/>
+          </a:p>
+        </p:txBody>
+      </p:sp>
     </p:spTree>
     <p:extLst>
       <p:ext uri="{BB962C8B-B14F-4D97-AF65-F5344CB8AC3E}">
